--- a/Recitation8.pptx
+++ b/Recitation8.pptx
@@ -28155,6 +28155,54 @@
           </a:p>
         </p:txBody>
       </p:sp>
+      <p:sp>
+        <p:nvSpPr>
+          <p:cNvPr id="9" name="TextBox 8">
+            <a:extLst>
+              <a:ext uri="{FF2B5EF4-FFF2-40B4-BE49-F238E27FC236}">
+                <a16:creationId xmlns:a16="http://schemas.microsoft.com/office/drawing/2014/main" id="{49C75151-5920-42C1-A4E6-D05C67EDA62B}"/>
+              </a:ext>
+            </a:extLst>
+          </p:cNvPr>
+          <p:cNvSpPr txBox="1"/>
+          <p:nvPr/>
+        </p:nvSpPr>
+        <p:spPr>
+          <a:xfrm>
+            <a:off x="399115" y="4861075"/>
+            <a:ext cx="2869096" cy="1200329"/>
+          </a:xfrm>
+          <a:prstGeom prst="rect">
+            <a:avLst/>
+          </a:prstGeom>
+          <a:noFill/>
+          <a:ln>
+            <a:solidFill>
+              <a:schemeClr val="tx1"/>
+            </a:solidFill>
+          </a:ln>
+        </p:spPr>
+        <p:txBody>
+          <a:bodyPr wrap="square" rtlCol="0">
+            <a:spAutoFit/>
+          </a:bodyPr>
+          <a:lstStyle/>
+          <a:p>
+            <a:r>
+              <a:rPr lang="en-US" dirty="0"/>
+              <a:t>BOTH SRAM and DRAM are </a:t>
+            </a:r>
+            <a:r>
+              <a:rPr lang="en-US" b="1" dirty="0"/>
+              <a:t>VOLATILE</a:t>
+            </a:r>
+            <a:r>
+              <a:rPr lang="en-US" dirty="0"/>
+              <a:t> memory, i.e., they require power to maintain stored information</a:t>
+            </a:r>
+          </a:p>
+        </p:txBody>
+      </p:sp>
     </p:spTree>
     <p:extLst>
       <p:ext uri="{BB962C8B-B14F-4D97-AF65-F5344CB8AC3E}">
@@ -28898,6 +28946,59 @@
                       </p:childTnLst>
                     </p:cTn>
                   </p:par>
+                  <p:par>
+                    <p:cTn id="57" fill="hold">
+                      <p:stCondLst>
+                        <p:cond delay="indefinite"/>
+                      </p:stCondLst>
+                      <p:childTnLst>
+                        <p:par>
+                          <p:cTn id="58" fill="hold">
+                            <p:stCondLst>
+                              <p:cond delay="0"/>
+                            </p:stCondLst>
+                            <p:childTnLst>
+                              <p:par>
+                                <p:cTn id="59" presetID="10" presetClass="entr" presetSubtype="0" fill="hold" grpId="0" nodeType="clickEffect">
+                                  <p:stCondLst>
+                                    <p:cond delay="0"/>
+                                  </p:stCondLst>
+                                  <p:childTnLst>
+                                    <p:set>
+                                      <p:cBhvr>
+                                        <p:cTn id="60" dur="1" fill="hold">
+                                          <p:stCondLst>
+                                            <p:cond delay="0"/>
+                                          </p:stCondLst>
+                                        </p:cTn>
+                                        <p:tgtEl>
+                                          <p:spTgt spid="9"/>
+                                        </p:tgtEl>
+                                        <p:attrNameLst>
+                                          <p:attrName>style.visibility</p:attrName>
+                                        </p:attrNameLst>
+                                      </p:cBhvr>
+                                      <p:to>
+                                        <p:strVal val="visible"/>
+                                      </p:to>
+                                    </p:set>
+                                    <p:animEffect transition="in" filter="fade">
+                                      <p:cBhvr>
+                                        <p:cTn id="61" dur="500"/>
+                                        <p:tgtEl>
+                                          <p:spTgt spid="9"/>
+                                        </p:tgtEl>
+                                      </p:cBhvr>
+                                    </p:animEffect>
+                                  </p:childTnLst>
+                                </p:cTn>
+                              </p:par>
+                            </p:childTnLst>
+                          </p:cTn>
+                        </p:par>
+                      </p:childTnLst>
+                    </p:cTn>
+                  </p:par>
                 </p:childTnLst>
               </p:cTn>
               <p:prevCondLst>
@@ -28923,6 +29024,7 @@
       <p:bldP spid="15" grpId="0" animBg="1"/>
       <p:bldP spid="16" grpId="0" animBg="1"/>
       <p:bldP spid="14" grpId="0" animBg="1"/>
+      <p:bldP spid="9" grpId="0" animBg="1"/>
     </p:bldLst>
   </p:timing>
 </p:sld>
